--- a/Daily Agendas/Day1.3 ExamReview.pptx
+++ b/Daily Agendas/Day1.3 ExamReview.pptx
@@ -7,7 +7,8 @@
   <p:sldIdLst>
     <p:sldId id="256" r:id="rId2"/>
     <p:sldId id="257" r:id="rId3"/>
-    <p:sldId id="258" r:id="rId4"/>
+    <p:sldId id="259" r:id="rId4"/>
+    <p:sldId id="258" r:id="rId5"/>
   </p:sldIdLst>
   <p:sldSz cx="9144000" cy="6858000" type="screen4x3"/>
   <p:notesSz cx="6858000" cy="9144000"/>
@@ -245,7 +246,7 @@
           <a:p>
             <a:fld id="{DBFDDC6D-30E6-4591-A5D6-EBA4A0A375E4}" type="datetimeFigureOut">
               <a:rPr lang="en-US" smtClean="0"/>
-              <a:t>2/4/2020</a:t>
+              <a:t>2/5/2020</a:t>
             </a:fld>
             <a:endParaRPr lang="en-US"/>
           </a:p>
@@ -415,7 +416,7 @@
           <a:p>
             <a:fld id="{DBFDDC6D-30E6-4591-A5D6-EBA4A0A375E4}" type="datetimeFigureOut">
               <a:rPr lang="en-US" smtClean="0"/>
-              <a:t>2/4/2020</a:t>
+              <a:t>2/5/2020</a:t>
             </a:fld>
             <a:endParaRPr lang="en-US"/>
           </a:p>
@@ -595,7 +596,7 @@
           <a:p>
             <a:fld id="{DBFDDC6D-30E6-4591-A5D6-EBA4A0A375E4}" type="datetimeFigureOut">
               <a:rPr lang="en-US" smtClean="0"/>
-              <a:t>2/4/2020</a:t>
+              <a:t>2/5/2020</a:t>
             </a:fld>
             <a:endParaRPr lang="en-US"/>
           </a:p>
@@ -765,7 +766,7 @@
           <a:p>
             <a:fld id="{DBFDDC6D-30E6-4591-A5D6-EBA4A0A375E4}" type="datetimeFigureOut">
               <a:rPr lang="en-US" smtClean="0"/>
-              <a:t>2/4/2020</a:t>
+              <a:t>2/5/2020</a:t>
             </a:fld>
             <a:endParaRPr lang="en-US"/>
           </a:p>
@@ -1009,7 +1010,7 @@
           <a:p>
             <a:fld id="{DBFDDC6D-30E6-4591-A5D6-EBA4A0A375E4}" type="datetimeFigureOut">
               <a:rPr lang="en-US" smtClean="0"/>
-              <a:t>2/4/2020</a:t>
+              <a:t>2/5/2020</a:t>
             </a:fld>
             <a:endParaRPr lang="en-US"/>
           </a:p>
@@ -1241,7 +1242,7 @@
           <a:p>
             <a:fld id="{DBFDDC6D-30E6-4591-A5D6-EBA4A0A375E4}" type="datetimeFigureOut">
               <a:rPr lang="en-US" smtClean="0"/>
-              <a:t>2/4/2020</a:t>
+              <a:t>2/5/2020</a:t>
             </a:fld>
             <a:endParaRPr lang="en-US"/>
           </a:p>
@@ -1608,7 +1609,7 @@
           <a:p>
             <a:fld id="{DBFDDC6D-30E6-4591-A5D6-EBA4A0A375E4}" type="datetimeFigureOut">
               <a:rPr lang="en-US" smtClean="0"/>
-              <a:t>2/4/2020</a:t>
+              <a:t>2/5/2020</a:t>
             </a:fld>
             <a:endParaRPr lang="en-US"/>
           </a:p>
@@ -1726,7 +1727,7 @@
           <a:p>
             <a:fld id="{DBFDDC6D-30E6-4591-A5D6-EBA4A0A375E4}" type="datetimeFigureOut">
               <a:rPr lang="en-US" smtClean="0"/>
-              <a:t>2/4/2020</a:t>
+              <a:t>2/5/2020</a:t>
             </a:fld>
             <a:endParaRPr lang="en-US"/>
           </a:p>
@@ -1821,7 +1822,7 @@
           <a:p>
             <a:fld id="{DBFDDC6D-30E6-4591-A5D6-EBA4A0A375E4}" type="datetimeFigureOut">
               <a:rPr lang="en-US" smtClean="0"/>
-              <a:t>2/4/2020</a:t>
+              <a:t>2/5/2020</a:t>
             </a:fld>
             <a:endParaRPr lang="en-US"/>
           </a:p>
@@ -2098,7 +2099,7 @@
           <a:p>
             <a:fld id="{DBFDDC6D-30E6-4591-A5D6-EBA4A0A375E4}" type="datetimeFigureOut">
               <a:rPr lang="en-US" smtClean="0"/>
-              <a:t>2/4/2020</a:t>
+              <a:t>2/5/2020</a:t>
             </a:fld>
             <a:endParaRPr lang="en-US"/>
           </a:p>
@@ -2355,7 +2356,7 @@
           <a:p>
             <a:fld id="{DBFDDC6D-30E6-4591-A5D6-EBA4A0A375E4}" type="datetimeFigureOut">
               <a:rPr lang="en-US" smtClean="0"/>
-              <a:t>2/4/2020</a:t>
+              <a:t>2/5/2020</a:t>
             </a:fld>
             <a:endParaRPr lang="en-US"/>
           </a:p>
@@ -2568,7 +2569,7 @@
           <a:p>
             <a:fld id="{DBFDDC6D-30E6-4591-A5D6-EBA4A0A375E4}" type="datetimeFigureOut">
               <a:rPr lang="en-US" smtClean="0"/>
-              <a:t>2/4/2020</a:t>
+              <a:t>2/5/2020</a:t>
             </a:fld>
             <a:endParaRPr lang="en-US"/>
           </a:p>
@@ -3080,11 +3081,7 @@
             <a:pPr algn="ctr"/>
             <a:r>
               <a:rPr lang="en-CA" dirty="0" smtClean="0"/>
-              <a:t>Measurement Practice </a:t>
-            </a:r>
-            <a:r>
-              <a:rPr lang="en-CA" dirty="0" smtClean="0"/>
-              <a:t>– </a:t>
+              <a:t>Measurement Practice – </a:t>
             </a:r>
             <a:r>
               <a:rPr lang="en-CA" dirty="0"/>
@@ -3146,11 +3143,7 @@
             <a:pPr lvl="1"/>
             <a:r>
               <a:rPr lang="en-CA" dirty="0" smtClean="0"/>
-              <a:t>Unit </a:t>
-            </a:r>
-            <a:r>
-              <a:rPr lang="en-CA" dirty="0" smtClean="0"/>
-              <a:t>Outline</a:t>
+              <a:t>Unit Outline</a:t>
             </a:r>
           </a:p>
           <a:p>
@@ -3189,7 +3182,6 @@
               <a:rPr lang="en-CA" dirty="0" smtClean="0"/>
               <a:t> </a:t>
             </a:r>
-            <a:endParaRPr lang="en-CA" dirty="0" smtClean="0"/>
           </a:p>
           <a:p>
             <a:pPr lvl="2"/>
@@ -3197,7 +3189,6 @@
               <a:rPr lang="en-CA" dirty="0"/>
               <a:t>Absolute &amp; Relative Uncertainty</a:t>
             </a:r>
-            <a:endParaRPr lang="en-CA" dirty="0"/>
           </a:p>
           <a:p>
             <a:pPr lvl="2"/>
@@ -3281,6 +3272,147 @@
 </file>
 
 <file path=ppt/slides/slide3.xml><?xml version="1.0" encoding="utf-8"?>
+<p:sld xmlns:a="http://schemas.openxmlformats.org/drawingml/2006/main" xmlns:r="http://schemas.openxmlformats.org/officeDocument/2006/relationships" xmlns:p="http://schemas.openxmlformats.org/presentationml/2006/main">
+  <p:cSld>
+    <p:spTree>
+      <p:nvGrpSpPr>
+        <p:cNvPr id="1" name=""/>
+        <p:cNvGrpSpPr/>
+        <p:nvPr/>
+      </p:nvGrpSpPr>
+      <p:grpSpPr>
+        <a:xfrm>
+          <a:off x="0" y="0"/>
+          <a:ext cx="0" cy="0"/>
+          <a:chOff x="0" y="0"/>
+          <a:chExt cx="0" cy="0"/>
+        </a:xfrm>
+      </p:grpSpPr>
+      <p:sp>
+        <p:nvSpPr>
+          <p:cNvPr id="2" name="Title 1"/>
+          <p:cNvSpPr>
+            <a:spLocks noGrp="1"/>
+          </p:cNvSpPr>
+          <p:nvPr>
+            <p:ph type="title"/>
+          </p:nvPr>
+        </p:nvSpPr>
+        <p:spPr/>
+        <p:txBody>
+          <a:bodyPr/>
+          <a:lstStyle/>
+          <a:p>
+            <a:r>
+              <a:rPr lang="en-CA" dirty="0" smtClean="0"/>
+              <a:t>Propagation Practice</a:t>
+            </a:r>
+            <a:endParaRPr lang="en-US" dirty="0"/>
+          </a:p>
+        </p:txBody>
+      </p:sp>
+      <p:sp>
+        <p:nvSpPr>
+          <p:cNvPr id="3" name="Content Placeholder 2"/>
+          <p:cNvSpPr>
+            <a:spLocks noGrp="1"/>
+          </p:cNvSpPr>
+          <p:nvPr>
+            <p:ph idx="1"/>
+          </p:nvPr>
+        </p:nvSpPr>
+        <p:spPr/>
+        <p:txBody>
+          <a:bodyPr/>
+          <a:lstStyle/>
+          <a:p>
+            <a:r>
+              <a:rPr lang="en-CA" dirty="0" smtClean="0"/>
+              <a:t>Adding &amp; Subtracting</a:t>
+            </a:r>
+          </a:p>
+          <a:p>
+            <a:pPr marL="0" indent="0">
+              <a:buNone/>
+            </a:pPr>
+            <a:r>
+              <a:rPr lang="en-CA" dirty="0" smtClean="0"/>
+              <a:t>	</a:t>
+            </a:r>
+            <a:r>
+              <a:rPr lang="en-CA" sz="3600" dirty="0" smtClean="0"/>
+              <a:t>3.7±5%  +  1.22±5</a:t>
+            </a:r>
+            <a:r>
+              <a:rPr lang="en-CA" sz="3600" dirty="0"/>
+              <a:t>% </a:t>
+            </a:r>
+            <a:r>
+              <a:rPr lang="en-CA" sz="3600" dirty="0" smtClean="0"/>
+              <a:t> +  9.5</a:t>
+            </a:r>
+            <a:r>
+              <a:rPr lang="en-CA" sz="3600" dirty="0"/>
+              <a:t>±5% </a:t>
+            </a:r>
+            <a:r>
+              <a:rPr lang="en-CA" sz="3600" dirty="0" smtClean="0"/>
+              <a:t> =  ?</a:t>
+            </a:r>
+          </a:p>
+          <a:p>
+            <a:endParaRPr lang="en-CA" dirty="0"/>
+          </a:p>
+          <a:p>
+            <a:r>
+              <a:rPr lang="en-CA" dirty="0" smtClean="0"/>
+              <a:t>Multiplying &amp; Dividing</a:t>
+            </a:r>
+          </a:p>
+          <a:p>
+            <a:pPr marL="0" indent="0">
+              <a:buNone/>
+            </a:pPr>
+            <a:r>
+              <a:rPr lang="en-CA" dirty="0" smtClean="0"/>
+              <a:t>	</a:t>
+            </a:r>
+            <a:r>
+              <a:rPr lang="en-CA" sz="3600" dirty="0" smtClean="0"/>
+              <a:t>4.2±0.1  ×  0.25±0.01  </a:t>
+            </a:r>
+            <a:r>
+              <a:rPr lang="en-CA" sz="3600" dirty="0"/>
+              <a:t>×  </a:t>
+            </a:r>
+            <a:r>
+              <a:rPr lang="en-CA" sz="3600" dirty="0" smtClean="0"/>
+              <a:t>125±2  =  ?</a:t>
+            </a:r>
+            <a:endParaRPr lang="en-US" sz="3600" dirty="0"/>
+          </a:p>
+          <a:p>
+            <a:pPr marL="0" indent="0">
+              <a:buNone/>
+            </a:pPr>
+            <a:endParaRPr lang="en-US" dirty="0"/>
+          </a:p>
+        </p:txBody>
+      </p:sp>
+    </p:spTree>
+    <p:extLst>
+      <p:ext uri="{BB962C8B-B14F-4D97-AF65-F5344CB8AC3E}">
+        <p14:creationId xmlns:p14="http://schemas.microsoft.com/office/powerpoint/2010/main" val="906148891"/>
+      </p:ext>
+    </p:extLst>
+  </p:cSld>
+  <p:clrMapOvr>
+    <a:masterClrMapping/>
+  </p:clrMapOvr>
+</p:sld>
+</file>
+
+<file path=ppt/slides/slide4.xml><?xml version="1.0" encoding="utf-8"?>
 <p:sld xmlns:a="http://schemas.openxmlformats.org/drawingml/2006/main" xmlns:r="http://schemas.openxmlformats.org/officeDocument/2006/relationships" xmlns:p="http://schemas.openxmlformats.org/presentationml/2006/main">
   <p:cSld>
     <p:spTree>

--- a/Daily Agendas/Day1.3 ExamReview.pptx
+++ b/Daily Agendas/Day1.3 ExamReview.pptx
@@ -8,7 +8,9 @@
     <p:sldId id="256" r:id="rId2"/>
     <p:sldId id="257" r:id="rId3"/>
     <p:sldId id="259" r:id="rId4"/>
-    <p:sldId id="258" r:id="rId5"/>
+    <p:sldId id="260" r:id="rId5"/>
+    <p:sldId id="261" r:id="rId6"/>
+    <p:sldId id="258" r:id="rId7"/>
   </p:sldIdLst>
   <p:sldSz cx="9144000" cy="6858000" type="screen4x3"/>
   <p:notesSz cx="6858000" cy="9144000"/>
@@ -3043,6 +3045,13 @@
   <p:clrMapOvr>
     <a:masterClrMapping/>
   </p:clrMapOvr>
+  <p:timing>
+    <p:tnLst>
+      <p:par>
+        <p:cTn id="1" dur="indefinite" restart="never" nodeType="tmRoot"/>
+      </p:par>
+    </p:tnLst>
+  </p:timing>
 </p:sld>
 </file>
 
@@ -3268,6 +3277,13 @@
   <p:clrMapOvr>
     <a:masterClrMapping/>
   </p:clrMapOvr>
+  <p:timing>
+    <p:tnLst>
+      <p:par>
+        <p:cTn id="1" dur="indefinite" restart="never" nodeType="tmRoot"/>
+      </p:par>
+    </p:tnLst>
+  </p:timing>
 </p:sld>
 </file>
 
@@ -3409,6 +3425,13 @@
   <p:clrMapOvr>
     <a:masterClrMapping/>
   </p:clrMapOvr>
+  <p:timing>
+    <p:tnLst>
+      <p:par>
+        <p:cTn id="1" dur="indefinite" restart="never" nodeType="tmRoot"/>
+      </p:par>
+    </p:tnLst>
+  </p:timing>
 </p:sld>
 </file>
 
@@ -3446,6 +3469,430 @@
           <a:p>
             <a:r>
               <a:rPr lang="en-CA" dirty="0" smtClean="0"/>
+              <a:t>Propagation Practice</a:t>
+            </a:r>
+            <a:endParaRPr lang="en-US" dirty="0"/>
+          </a:p>
+        </p:txBody>
+      </p:sp>
+      <p:sp>
+        <p:nvSpPr>
+          <p:cNvPr id="3" name="Content Placeholder 2"/>
+          <p:cNvSpPr>
+            <a:spLocks noGrp="1"/>
+          </p:cNvSpPr>
+          <p:nvPr>
+            <p:ph idx="1"/>
+          </p:nvPr>
+        </p:nvSpPr>
+        <p:spPr/>
+        <p:txBody>
+          <a:bodyPr/>
+          <a:lstStyle/>
+          <a:p>
+            <a:r>
+              <a:rPr lang="en-CA" dirty="0" smtClean="0"/>
+              <a:t>Adding &amp; Subtracting</a:t>
+            </a:r>
+          </a:p>
+          <a:p>
+            <a:pPr marL="0" indent="0">
+              <a:buNone/>
+            </a:pPr>
+            <a:r>
+              <a:rPr lang="en-CA" dirty="0" smtClean="0"/>
+              <a:t>	</a:t>
+            </a:r>
+            <a:r>
+              <a:rPr lang="en-CA" sz="3600" dirty="0" smtClean="0"/>
+              <a:t>3.7±5%  +  1.22±5</a:t>
+            </a:r>
+            <a:r>
+              <a:rPr lang="en-CA" sz="3600" dirty="0"/>
+              <a:t>% </a:t>
+            </a:r>
+            <a:r>
+              <a:rPr lang="en-CA" sz="3600" dirty="0" smtClean="0"/>
+              <a:t> +  9.5</a:t>
+            </a:r>
+            <a:r>
+              <a:rPr lang="en-CA" sz="3600" dirty="0"/>
+              <a:t>±5% </a:t>
+            </a:r>
+            <a:r>
+              <a:rPr lang="en-CA" sz="3600" dirty="0" smtClean="0"/>
+              <a:t> =  </a:t>
+            </a:r>
+            <a:r>
+              <a:rPr lang="en-CA" sz="3600" dirty="0" smtClean="0"/>
+              <a:t>?</a:t>
+            </a:r>
+          </a:p>
+          <a:p>
+            <a:pPr marL="0" indent="0">
+              <a:buNone/>
+            </a:pPr>
+            <a:r>
+              <a:rPr lang="en-CA" dirty="0"/>
+              <a:t>	</a:t>
+            </a:r>
+            <a:endParaRPr lang="en-CA" dirty="0" smtClean="0"/>
+          </a:p>
+          <a:p>
+            <a:pPr marL="0" indent="0">
+              <a:buNone/>
+            </a:pPr>
+            <a:r>
+              <a:rPr lang="en-CA" dirty="0"/>
+              <a:t>	</a:t>
+            </a:r>
+            <a:r>
+              <a:rPr lang="en-CA" dirty="0" smtClean="0">
+                <a:solidFill>
+                  <a:srgbClr val="FF0000"/>
+                </a:solidFill>
+              </a:rPr>
+              <a:t>3.7 ± 0.185  + 1.22 ± 0.061  +  9.5 ± 0.475</a:t>
+            </a:r>
+          </a:p>
+          <a:p>
+            <a:pPr marL="0" indent="0">
+              <a:buNone/>
+            </a:pPr>
+            <a:r>
+              <a:rPr lang="en-CA" dirty="0">
+                <a:solidFill>
+                  <a:srgbClr val="FF0000"/>
+                </a:solidFill>
+              </a:rPr>
+              <a:t>	</a:t>
+            </a:r>
+            <a:r>
+              <a:rPr lang="en-CA" dirty="0" smtClean="0">
+                <a:solidFill>
+                  <a:srgbClr val="FF0000"/>
+                </a:solidFill>
+              </a:rPr>
+              <a:t>14.42 </a:t>
+            </a:r>
+            <a:r>
+              <a:rPr lang="en-CA" dirty="0" smtClean="0">
+                <a:solidFill>
+                  <a:srgbClr val="FF0000"/>
+                </a:solidFill>
+              </a:rPr>
+              <a:t>± 0.721</a:t>
+            </a:r>
+          </a:p>
+          <a:p>
+            <a:pPr marL="0" indent="0">
+              <a:buNone/>
+            </a:pPr>
+            <a:endParaRPr lang="en-CA" sz="800" dirty="0">
+              <a:solidFill>
+                <a:srgbClr val="FF0000"/>
+              </a:solidFill>
+            </a:endParaRPr>
+          </a:p>
+          <a:p>
+            <a:pPr marL="0" indent="0">
+              <a:buNone/>
+            </a:pPr>
+            <a:r>
+              <a:rPr lang="en-CA" sz="3600" dirty="0" smtClean="0">
+                <a:solidFill>
+                  <a:srgbClr val="FF0000"/>
+                </a:solidFill>
+              </a:rPr>
+              <a:t>	14.4 ± 0.7   or   </a:t>
+            </a:r>
+            <a:r>
+              <a:rPr lang="en-CA" sz="3600" b="1" dirty="0" smtClean="0">
+                <a:solidFill>
+                  <a:srgbClr val="FF0000"/>
+                </a:solidFill>
+              </a:rPr>
+              <a:t>14.4 ± 5%</a:t>
+            </a:r>
+            <a:endParaRPr lang="en-CA" sz="3600" b="1" dirty="0" smtClean="0">
+              <a:solidFill>
+                <a:srgbClr val="FF0000"/>
+              </a:solidFill>
+            </a:endParaRPr>
+          </a:p>
+          <a:p>
+            <a:endParaRPr lang="en-CA" dirty="0"/>
+          </a:p>
+        </p:txBody>
+      </p:sp>
+    </p:spTree>
+    <p:extLst>
+      <p:ext uri="{BB962C8B-B14F-4D97-AF65-F5344CB8AC3E}">
+        <p14:creationId xmlns:p14="http://schemas.microsoft.com/office/powerpoint/2010/main" val="3358611229"/>
+      </p:ext>
+    </p:extLst>
+  </p:cSld>
+  <p:clrMapOvr>
+    <a:masterClrMapping/>
+  </p:clrMapOvr>
+  <p:timing>
+    <p:tnLst>
+      <p:par>
+        <p:cTn id="1" dur="indefinite" restart="never" nodeType="tmRoot"/>
+      </p:par>
+    </p:tnLst>
+  </p:timing>
+</p:sld>
+</file>
+
+<file path=ppt/slides/slide5.xml><?xml version="1.0" encoding="utf-8"?>
+<p:sld xmlns:a="http://schemas.openxmlformats.org/drawingml/2006/main" xmlns:r="http://schemas.openxmlformats.org/officeDocument/2006/relationships" xmlns:p="http://schemas.openxmlformats.org/presentationml/2006/main">
+  <p:cSld>
+    <p:spTree>
+      <p:nvGrpSpPr>
+        <p:cNvPr id="1" name=""/>
+        <p:cNvGrpSpPr/>
+        <p:nvPr/>
+      </p:nvGrpSpPr>
+      <p:grpSpPr>
+        <a:xfrm>
+          <a:off x="0" y="0"/>
+          <a:ext cx="0" cy="0"/>
+          <a:chOff x="0" y="0"/>
+          <a:chExt cx="0" cy="0"/>
+        </a:xfrm>
+      </p:grpSpPr>
+      <p:sp>
+        <p:nvSpPr>
+          <p:cNvPr id="2" name="Title 1"/>
+          <p:cNvSpPr>
+            <a:spLocks noGrp="1"/>
+          </p:cNvSpPr>
+          <p:nvPr>
+            <p:ph type="title"/>
+          </p:nvPr>
+        </p:nvSpPr>
+        <p:spPr/>
+        <p:txBody>
+          <a:bodyPr/>
+          <a:lstStyle/>
+          <a:p>
+            <a:r>
+              <a:rPr lang="en-CA" dirty="0" smtClean="0"/>
+              <a:t>Propagation Practice</a:t>
+            </a:r>
+            <a:endParaRPr lang="en-US" dirty="0"/>
+          </a:p>
+        </p:txBody>
+      </p:sp>
+      <p:sp>
+        <p:nvSpPr>
+          <p:cNvPr id="3" name="Content Placeholder 2"/>
+          <p:cNvSpPr>
+            <a:spLocks noGrp="1"/>
+          </p:cNvSpPr>
+          <p:nvPr>
+            <p:ph idx="1"/>
+          </p:nvPr>
+        </p:nvSpPr>
+        <p:spPr/>
+        <p:txBody>
+          <a:bodyPr/>
+          <a:lstStyle/>
+          <a:p>
+            <a:r>
+              <a:rPr lang="en-CA" dirty="0" smtClean="0"/>
+              <a:t>Multiplying </a:t>
+            </a:r>
+            <a:r>
+              <a:rPr lang="en-CA" dirty="0" smtClean="0"/>
+              <a:t>&amp; Dividing</a:t>
+            </a:r>
+          </a:p>
+          <a:p>
+            <a:pPr marL="0" indent="0">
+              <a:buNone/>
+            </a:pPr>
+            <a:r>
+              <a:rPr lang="en-CA" dirty="0" smtClean="0"/>
+              <a:t>	</a:t>
+            </a:r>
+            <a:r>
+              <a:rPr lang="en-CA" sz="3600" dirty="0" smtClean="0"/>
+              <a:t>4.2±0.1  ×  0.25±0.01  </a:t>
+            </a:r>
+            <a:r>
+              <a:rPr lang="en-CA" sz="3600" dirty="0"/>
+              <a:t>×  </a:t>
+            </a:r>
+            <a:r>
+              <a:rPr lang="en-CA" sz="3600" dirty="0" smtClean="0"/>
+              <a:t>125±2  =  </a:t>
+            </a:r>
+            <a:r>
+              <a:rPr lang="en-CA" sz="3600" dirty="0" smtClean="0"/>
+              <a:t>?</a:t>
+            </a:r>
+          </a:p>
+          <a:p>
+            <a:pPr marL="0" indent="0">
+              <a:buNone/>
+            </a:pPr>
+            <a:endParaRPr lang="en-CA" dirty="0"/>
+          </a:p>
+          <a:p>
+            <a:pPr marL="0" indent="0">
+              <a:buNone/>
+            </a:pPr>
+            <a:r>
+              <a:rPr lang="en-CA" dirty="0" smtClean="0"/>
+              <a:t>	4.2 </a:t>
+            </a:r>
+            <a:r>
+              <a:rPr lang="en-CA" dirty="0" smtClean="0"/>
+              <a:t>± 2.38%  X  0.25 ± 4%  X  125 ± 1.6%</a:t>
+            </a:r>
+          </a:p>
+          <a:p>
+            <a:pPr marL="0" indent="0">
+              <a:buNone/>
+            </a:pPr>
+            <a:r>
+              <a:rPr lang="en-CA" dirty="0"/>
+              <a:t>	</a:t>
+            </a:r>
+            <a:r>
+              <a:rPr lang="en-CA" dirty="0" smtClean="0"/>
+              <a:t>131.25 </a:t>
+            </a:r>
+            <a:r>
+              <a:rPr lang="en-CA" dirty="0" smtClean="0"/>
+              <a:t>± 7.98%</a:t>
+            </a:r>
+          </a:p>
+          <a:p>
+            <a:pPr marL="0" indent="0">
+              <a:buNone/>
+            </a:pPr>
+            <a:r>
+              <a:rPr lang="en-CA" dirty="0" smtClean="0"/>
+              <a:t>	130 ± 8%   or   130 ± 10</a:t>
+            </a:r>
+          </a:p>
+          <a:p>
+            <a:pPr marL="0" indent="0">
+              <a:buNone/>
+            </a:pPr>
+            <a:endParaRPr lang="en-CA" dirty="0"/>
+          </a:p>
+          <a:p>
+            <a:pPr marL="0" indent="0">
+              <a:buNone/>
+            </a:pPr>
+            <a:r>
+              <a:rPr lang="en-CA" dirty="0" smtClean="0"/>
+              <a:t>	</a:t>
+            </a:r>
+            <a:r>
+              <a:rPr lang="en-CA" sz="3600" b="1" dirty="0" smtClean="0">
+                <a:solidFill>
+                  <a:srgbClr val="FF0000"/>
+                </a:solidFill>
+              </a:rPr>
+              <a:t>1.3x10</a:t>
+            </a:r>
+            <a:r>
+              <a:rPr lang="en-CA" sz="3600" b="1" baseline="30000" dirty="0" smtClean="0">
+                <a:solidFill>
+                  <a:srgbClr val="FF0000"/>
+                </a:solidFill>
+              </a:rPr>
+              <a:t>2</a:t>
+            </a:r>
+            <a:r>
+              <a:rPr lang="en-CA" sz="3600" b="1" dirty="0" smtClean="0">
+                <a:solidFill>
+                  <a:srgbClr val="FF0000"/>
+                </a:solidFill>
+              </a:rPr>
+              <a:t> </a:t>
+            </a:r>
+            <a:r>
+              <a:rPr lang="en-CA" sz="3200" b="1" dirty="0" smtClean="0">
+                <a:solidFill>
+                  <a:srgbClr val="FF0000"/>
+                </a:solidFill>
+              </a:rPr>
+              <a:t>± 0.1</a:t>
+            </a:r>
+            <a:endParaRPr lang="en-US" sz="3200" b="1" dirty="0">
+              <a:solidFill>
+                <a:srgbClr val="FF0000"/>
+              </a:solidFill>
+            </a:endParaRPr>
+          </a:p>
+          <a:p>
+            <a:pPr marL="0" indent="0">
+              <a:buNone/>
+            </a:pPr>
+            <a:endParaRPr lang="en-US" dirty="0"/>
+          </a:p>
+        </p:txBody>
+      </p:sp>
+    </p:spTree>
+    <p:extLst>
+      <p:ext uri="{BB962C8B-B14F-4D97-AF65-F5344CB8AC3E}">
+        <p14:creationId xmlns:p14="http://schemas.microsoft.com/office/powerpoint/2010/main" val="2231616943"/>
+      </p:ext>
+    </p:extLst>
+  </p:cSld>
+  <p:clrMapOvr>
+    <a:masterClrMapping/>
+  </p:clrMapOvr>
+  <p:timing>
+    <p:tnLst>
+      <p:par>
+        <p:cTn id="1" dur="indefinite" restart="never" nodeType="tmRoot"/>
+      </p:par>
+    </p:tnLst>
+  </p:timing>
+</p:sld>
+</file>
+
+<file path=ppt/slides/slide6.xml><?xml version="1.0" encoding="utf-8"?>
+<p:sld xmlns:a="http://schemas.openxmlformats.org/drawingml/2006/main" xmlns:r="http://schemas.openxmlformats.org/officeDocument/2006/relationships" xmlns:p="http://schemas.openxmlformats.org/presentationml/2006/main">
+  <p:cSld>
+    <p:spTree>
+      <p:nvGrpSpPr>
+        <p:cNvPr id="1" name=""/>
+        <p:cNvGrpSpPr/>
+        <p:nvPr/>
+      </p:nvGrpSpPr>
+      <p:grpSpPr>
+        <a:xfrm>
+          <a:off x="0" y="0"/>
+          <a:ext cx="0" cy="0"/>
+          <a:chOff x="0" y="0"/>
+          <a:chExt cx="0" cy="0"/>
+        </a:xfrm>
+      </p:grpSpPr>
+      <p:sp>
+        <p:nvSpPr>
+          <p:cNvPr id="2" name="Title 1"/>
+          <p:cNvSpPr>
+            <a:spLocks noGrp="1"/>
+          </p:cNvSpPr>
+          <p:nvPr>
+            <p:ph type="title"/>
+          </p:nvPr>
+        </p:nvSpPr>
+        <p:spPr/>
+        <p:txBody>
+          <a:bodyPr/>
+          <a:lstStyle/>
+          <a:p>
+            <a:r>
+              <a:rPr lang="en-CA" dirty="0" smtClean="0"/>
               <a:t>Tomorrow, Wed Feb 5</a:t>
             </a:r>
             <a:endParaRPr lang="en-US" dirty="0"/>
@@ -3538,6 +3985,13 @@
   <p:clrMapOvr>
     <a:masterClrMapping/>
   </p:clrMapOvr>
+  <p:timing>
+    <p:tnLst>
+      <p:par>
+        <p:cTn id="1" dur="indefinite" restart="never" nodeType="tmRoot"/>
+      </p:par>
+    </p:tnLst>
+  </p:timing>
 </p:sld>
 </file>
 
